--- a/米易通/需求/ADME/AC60米易通界面结构调整1.1.pptx
+++ b/米易通/需求/ADME/AC60米易通界面结构调整1.1.pptx
@@ -2656,7 +2656,7 @@
         <a:spcBef>
           <a:spcPts val="1000"/>
         </a:spcBef>
-        <a:buFont typeface="Arial" panose="020B0604020202020204" pitchFamily="34" charset="0"/>
+        <a:buFont typeface="Arial" panose="020B0604020202090204" pitchFamily="34" charset="0"/>
         <a:buChar char="•"/>
         <a:defRPr sz="2800" kern="1200">
           <a:solidFill>
@@ -2674,7 +2674,7 @@
         <a:spcBef>
           <a:spcPts val="500"/>
         </a:spcBef>
-        <a:buFont typeface="Arial" panose="020B0604020202020204" pitchFamily="34" charset="0"/>
+        <a:buFont typeface="Arial" panose="020B0604020202090204" pitchFamily="34" charset="0"/>
         <a:buChar char="•"/>
         <a:defRPr sz="2400" kern="1200">
           <a:solidFill>
@@ -2692,7 +2692,7 @@
         <a:spcBef>
           <a:spcPts val="500"/>
         </a:spcBef>
-        <a:buFont typeface="Arial" panose="020B0604020202020204" pitchFamily="34" charset="0"/>
+        <a:buFont typeface="Arial" panose="020B0604020202090204" pitchFamily="34" charset="0"/>
         <a:buChar char="•"/>
         <a:defRPr sz="2000" kern="1200">
           <a:solidFill>
@@ -2710,7 +2710,7 @@
         <a:spcBef>
           <a:spcPts val="500"/>
         </a:spcBef>
-        <a:buFont typeface="Arial" panose="020B0604020202020204" pitchFamily="34" charset="0"/>
+        <a:buFont typeface="Arial" panose="020B0604020202090204" pitchFamily="34" charset="0"/>
         <a:buChar char="•"/>
         <a:defRPr sz="1800" kern="1200">
           <a:solidFill>
@@ -2728,7 +2728,7 @@
         <a:spcBef>
           <a:spcPts val="500"/>
         </a:spcBef>
-        <a:buFont typeface="Arial" panose="020B0604020202020204" pitchFamily="34" charset="0"/>
+        <a:buFont typeface="Arial" panose="020B0604020202090204" pitchFamily="34" charset="0"/>
         <a:buChar char="•"/>
         <a:defRPr sz="1800" kern="1200">
           <a:solidFill>
@@ -2746,7 +2746,7 @@
         <a:spcBef>
           <a:spcPts val="500"/>
         </a:spcBef>
-        <a:buFont typeface="Arial" panose="020B0604020202020204" pitchFamily="34" charset="0"/>
+        <a:buFont typeface="Arial" panose="020B0604020202090204" pitchFamily="34" charset="0"/>
         <a:buChar char="•"/>
         <a:defRPr sz="1800" kern="1200">
           <a:solidFill>
@@ -2764,7 +2764,7 @@
         <a:spcBef>
           <a:spcPts val="500"/>
         </a:spcBef>
-        <a:buFont typeface="Arial" panose="020B0604020202020204" pitchFamily="34" charset="0"/>
+        <a:buFont typeface="Arial" panose="020B0604020202090204" pitchFamily="34" charset="0"/>
         <a:buChar char="•"/>
         <a:defRPr sz="1800" kern="1200">
           <a:solidFill>
@@ -2782,7 +2782,7 @@
         <a:spcBef>
           <a:spcPts val="500"/>
         </a:spcBef>
-        <a:buFont typeface="Arial" panose="020B0604020202020204" pitchFamily="34" charset="0"/>
+        <a:buFont typeface="Arial" panose="020B0604020202090204" pitchFamily="34" charset="0"/>
         <a:buChar char="•"/>
         <a:defRPr sz="1800" kern="1200">
           <a:solidFill>
@@ -2800,7 +2800,7 @@
         <a:spcBef>
           <a:spcPts val="500"/>
         </a:spcBef>
-        <a:buFont typeface="Arial" panose="020B0604020202020204" pitchFamily="34" charset="0"/>
+        <a:buFont typeface="Arial" panose="020B0604020202090204" pitchFamily="34" charset="0"/>
         <a:buChar char="•"/>
         <a:defRPr sz="1800" kern="1200">
           <a:solidFill>
@@ -2946,12 +2946,33 @@
             </a:r>
             <a:r>
               <a:rPr lang="zh-CN" altLang="en-US"/>
-              <a:t>系列米易通界面结构调整</a:t>
-            </a:r>
-            <a:r>
-              <a:rPr lang="zh-CN" altLang="en-US"/>
-              <a:t>方案</a:t>
-            </a:r>
+              <a:t>系列米易通界面结构调整方案</a:t>
+            </a:r>
+            <a:endParaRPr lang="zh-CN" altLang="en-US"/>
+          </a:p>
+        </p:txBody>
+      </p:sp>
+      <p:sp>
+        <p:nvSpPr>
+          <p:cNvPr id="3" name="文本框 2"/>
+          <p:cNvSpPr txBox="1"/>
+          <p:nvPr/>
+        </p:nvSpPr>
+        <p:spPr>
+          <a:xfrm>
+            <a:off x="3204845" y="1347470"/>
+            <a:ext cx="309880" cy="368300"/>
+          </a:xfrm>
+          <a:prstGeom prst="rect">
+            <a:avLst/>
+          </a:prstGeom>
+          <a:noFill/>
+        </p:spPr>
+        <p:txBody>
+          <a:bodyPr wrap="none" rtlCol="0">
+            <a:spAutoFit/>
+          </a:bodyPr>
+          <a:p>
             <a:endParaRPr lang="zh-CN" altLang="en-US"/>
           </a:p>
         </p:txBody>
@@ -3290,13 +3311,7 @@
               <a:rPr lang="zh-CN" altLang="en-US">
                 <a:sym typeface="+mn-ea"/>
               </a:rPr>
-              <a:t>小时测量</a:t>
-            </a:r>
-            <a:r>
-              <a:rPr lang="zh-CN" altLang="en-US">
-                <a:sym typeface="+mn-ea"/>
-              </a:rPr>
-              <a:t>周期。</a:t>
+              <a:t>小时测量周期。</a:t>
             </a:r>
             <a:endParaRPr lang="zh-CN" altLang="en-US">
               <a:sym typeface="+mn-ea"/>
@@ -3671,31 +3686,23 @@
                       </a:pPr>
                       <a:r>
                         <a:rPr lang="zh-CN" altLang="en-US" sz="1400"/>
-                        <a:t>参数设置</a:t>
-                      </a:r>
+                        <a:t>参数设置内容</a:t>
+                      </a:r>
+                      <a:endParaRPr lang="zh-CN" altLang="en-US" sz="1400"/>
+                    </a:p>
+                  </a:txBody>
+                  <a:tcPr/>
+                </a:tc>
+                <a:tc>
+                  <a:txBody>
+                    <a:bodyPr/>
+                    <a:p>
+                      <a:pPr algn="ctr">
+                        <a:buNone/>
+                      </a:pPr>
                       <a:r>
                         <a:rPr lang="zh-CN" altLang="en-US" sz="1400"/>
-                        <a:t>内容</a:t>
-                      </a:r>
-                      <a:endParaRPr lang="zh-CN" altLang="en-US" sz="1400"/>
-                    </a:p>
-                  </a:txBody>
-                  <a:tcPr/>
-                </a:tc>
-                <a:tc>
-                  <a:txBody>
-                    <a:bodyPr/>
-                    <a:p>
-                      <a:pPr algn="ctr">
-                        <a:buNone/>
-                      </a:pPr>
-                      <a:r>
-                        <a:rPr lang="zh-CN" altLang="en-US" sz="1400"/>
-                        <a:t>下放测量</a:t>
-                      </a:r>
-                      <a:r>
-                        <a:rPr lang="zh-CN" altLang="en-US" sz="1400"/>
-                        <a:t>深度</a:t>
+                        <a:t>下放测量深度</a:t>
                       </a:r>
                       <a:endParaRPr lang="zh-CN" altLang="en-US" sz="1400"/>
                     </a:p>
@@ -3729,13 +3736,7 @@
                         <a:rPr lang="zh-CN" altLang="en-US" sz="1400">
                           <a:sym typeface="+mn-ea"/>
                         </a:rPr>
-                        <a:t>下放</a:t>
-                      </a:r>
-                      <a:r>
-                        <a:rPr lang="zh-CN" altLang="en-US" sz="1400">
-                          <a:sym typeface="+mn-ea"/>
-                        </a:rPr>
-                        <a:t>等待时间</a:t>
+                        <a:t>下放等待时间</a:t>
                       </a:r>
                       <a:endParaRPr lang="zh-CN" altLang="en-US" sz="1400">
                         <a:sym typeface="+mn-ea"/>
@@ -3793,31 +3794,23 @@
                       </a:pPr>
                       <a:r>
                         <a:rPr lang="zh-CN" altLang="en-US" sz="1400"/>
-                        <a:t>传感器</a:t>
-                      </a:r>
+                        <a:t>传感器采集间隔</a:t>
+                      </a:r>
+                      <a:endParaRPr lang="zh-CN" altLang="en-US" sz="1400"/>
+                    </a:p>
+                  </a:txBody>
+                  <a:tcPr/>
+                </a:tc>
+                <a:tc>
+                  <a:txBody>
+                    <a:bodyPr/>
+                    <a:p>
+                      <a:pPr algn="ctr">
+                        <a:buNone/>
+                      </a:pPr>
                       <a:r>
                         <a:rPr lang="zh-CN" altLang="en-US" sz="1400"/>
-                        <a:t>采集间隔</a:t>
-                      </a:r>
-                      <a:endParaRPr lang="zh-CN" altLang="en-US" sz="1400"/>
-                    </a:p>
-                  </a:txBody>
-                  <a:tcPr/>
-                </a:tc>
-                <a:tc>
-                  <a:txBody>
-                    <a:bodyPr/>
-                    <a:p>
-                      <a:pPr algn="ctr">
-                        <a:buNone/>
-                      </a:pPr>
-                      <a:r>
-                        <a:rPr lang="zh-CN" altLang="en-US" sz="1400"/>
-                        <a:t>传感器解</a:t>
-                      </a:r>
-                      <a:r>
-                        <a:rPr lang="zh-CN" altLang="en-US" sz="1400"/>
-                        <a:t>算间隔</a:t>
+                        <a:t>传感器解算间隔</a:t>
                       </a:r>
                       <a:endParaRPr lang="zh-CN" altLang="en-US" sz="1400"/>
                     </a:p>
@@ -3897,11 +3890,7 @@
                       </a:pPr>
                       <a:r>
                         <a:rPr lang="zh-CN" altLang="en-US" sz="1400"/>
-                        <a:t>定时</a:t>
-                      </a:r>
-                      <a:r>
-                        <a:rPr lang="zh-CN" altLang="en-US" sz="1400"/>
-                        <a:t>时间</a:t>
+                        <a:t>定时时间</a:t>
                       </a:r>
                       <a:endParaRPr lang="zh-CN" altLang="en-US" sz="1400"/>
                     </a:p>
@@ -3919,11 +3908,7 @@
                       </a:pPr>
                       <a:r>
                         <a:rPr lang="zh-CN" altLang="en-US" sz="1400"/>
-                        <a:t>低速</a:t>
-                      </a:r>
-                      <a:r>
-                        <a:rPr lang="zh-CN" altLang="en-US" sz="1400"/>
-                        <a:t>测量</a:t>
+                        <a:t>低速测量</a:t>
                       </a:r>
                       <a:endParaRPr lang="zh-CN" altLang="en-US" sz="1400"/>
                     </a:p>
@@ -3943,11 +3928,7 @@
                       </a:r>
                       <a:r>
                         <a:rPr lang="en-US" altLang="zh-CN" sz="1400"/>
-                        <a:t>5</a:t>
-                      </a:r>
-                      <a:r>
-                        <a:rPr lang="en-US" altLang="zh-CN" sz="1400"/>
-                        <a:t>0</a:t>
+                        <a:t>50</a:t>
                       </a:r>
                       <a:r>
                         <a:rPr lang="zh-CN" altLang="en-US" sz="1400"/>
@@ -4749,31 +4730,23 @@
                       </a:pPr>
                       <a:r>
                         <a:rPr lang="zh-CN" altLang="en-US" sz="1400"/>
-                        <a:t>参数设置</a:t>
-                      </a:r>
+                        <a:t>参数设置内容</a:t>
+                      </a:r>
+                      <a:endParaRPr lang="zh-CN" altLang="en-US" sz="1400"/>
+                    </a:p>
+                  </a:txBody>
+                  <a:tcPr/>
+                </a:tc>
+                <a:tc>
+                  <a:txBody>
+                    <a:bodyPr/>
+                    <a:p>
+                      <a:pPr algn="ctr">
+                        <a:buNone/>
+                      </a:pPr>
                       <a:r>
                         <a:rPr lang="zh-CN" altLang="en-US" sz="1400"/>
-                        <a:t>内容</a:t>
-                      </a:r>
-                      <a:endParaRPr lang="zh-CN" altLang="en-US" sz="1400"/>
-                    </a:p>
-                  </a:txBody>
-                  <a:tcPr/>
-                </a:tc>
-                <a:tc>
-                  <a:txBody>
-                    <a:bodyPr/>
-                    <a:p>
-                      <a:pPr algn="ctr">
-                        <a:buNone/>
-                      </a:pPr>
-                      <a:r>
-                        <a:rPr lang="zh-CN" altLang="en-US" sz="1400"/>
-                        <a:t>下放测量</a:t>
-                      </a:r>
-                      <a:r>
-                        <a:rPr lang="zh-CN" altLang="en-US" sz="1400"/>
-                        <a:t>深度</a:t>
+                        <a:t>下放测量深度</a:t>
                       </a:r>
                       <a:endParaRPr lang="zh-CN" altLang="en-US" sz="1400"/>
                     </a:p>
@@ -4807,13 +4780,7 @@
                         <a:rPr lang="zh-CN" altLang="en-US" sz="1400">
                           <a:sym typeface="+mn-ea"/>
                         </a:rPr>
-                        <a:t>下放</a:t>
-                      </a:r>
-                      <a:r>
-                        <a:rPr lang="zh-CN" altLang="en-US" sz="1400">
-                          <a:sym typeface="+mn-ea"/>
-                        </a:rPr>
-                        <a:t>等待时间</a:t>
+                        <a:t>下放等待时间</a:t>
                       </a:r>
                       <a:endParaRPr lang="zh-CN" altLang="en-US" sz="1400">
                         <a:sym typeface="+mn-ea"/>
@@ -4871,31 +4838,23 @@
                       </a:pPr>
                       <a:r>
                         <a:rPr lang="zh-CN" altLang="en-US" sz="1400"/>
-                        <a:t>传感器</a:t>
-                      </a:r>
+                        <a:t>传感器采集间隔</a:t>
+                      </a:r>
+                      <a:endParaRPr lang="zh-CN" altLang="en-US" sz="1400"/>
+                    </a:p>
+                  </a:txBody>
+                  <a:tcPr/>
+                </a:tc>
+                <a:tc>
+                  <a:txBody>
+                    <a:bodyPr/>
+                    <a:p>
+                      <a:pPr algn="ctr">
+                        <a:buNone/>
+                      </a:pPr>
                       <a:r>
                         <a:rPr lang="zh-CN" altLang="en-US" sz="1400"/>
-                        <a:t>采集间隔</a:t>
-                      </a:r>
-                      <a:endParaRPr lang="zh-CN" altLang="en-US" sz="1400"/>
-                    </a:p>
-                  </a:txBody>
-                  <a:tcPr/>
-                </a:tc>
-                <a:tc>
-                  <a:txBody>
-                    <a:bodyPr/>
-                    <a:p>
-                      <a:pPr algn="ctr">
-                        <a:buNone/>
-                      </a:pPr>
-                      <a:r>
-                        <a:rPr lang="zh-CN" altLang="en-US" sz="1400"/>
-                        <a:t>传感器解</a:t>
-                      </a:r>
-                      <a:r>
-                        <a:rPr lang="zh-CN" altLang="en-US" sz="1400"/>
-                        <a:t>算间隔</a:t>
+                        <a:t>传感器解算间隔</a:t>
                       </a:r>
                       <a:endParaRPr lang="zh-CN" altLang="en-US" sz="1400"/>
                     </a:p>
@@ -4975,11 +4934,7 @@
                       </a:pPr>
                       <a:r>
                         <a:rPr lang="zh-CN" altLang="en-US" sz="1400"/>
-                        <a:t>定时</a:t>
-                      </a:r>
-                      <a:r>
-                        <a:rPr lang="zh-CN" altLang="en-US" sz="1400"/>
-                        <a:t>时间</a:t>
+                        <a:t>定时时间</a:t>
                       </a:r>
                       <a:endParaRPr lang="zh-CN" altLang="en-US" sz="1400"/>
                     </a:p>
@@ -4997,11 +4952,7 @@
                       </a:pPr>
                       <a:r>
                         <a:rPr lang="zh-CN" altLang="en-US" sz="1400"/>
-                        <a:t>低速</a:t>
-                      </a:r>
-                      <a:r>
-                        <a:rPr lang="zh-CN" altLang="en-US" sz="1400"/>
-                        <a:t>测量</a:t>
+                        <a:t>低速测量</a:t>
                       </a:r>
                       <a:endParaRPr lang="zh-CN" altLang="en-US" sz="1400"/>
                     </a:p>
@@ -5021,11 +4972,7 @@
                       </a:r>
                       <a:r>
                         <a:rPr lang="en-US" altLang="zh-CN" sz="1400"/>
-                        <a:t>5</a:t>
-                      </a:r>
-                      <a:r>
-                        <a:rPr lang="en-US" altLang="zh-CN" sz="1400"/>
-                        <a:t>0</a:t>
+                        <a:t>50</a:t>
                       </a:r>
                       <a:r>
                         <a:rPr lang="zh-CN" altLang="en-US" sz="1400"/>
@@ -5946,31 +5893,23 @@
                       </a:pPr>
                       <a:r>
                         <a:rPr lang="zh-CN" altLang="en-US" sz="1400"/>
-                        <a:t>参数设置</a:t>
-                      </a:r>
+                        <a:t>参数设置内容</a:t>
+                      </a:r>
+                      <a:endParaRPr lang="zh-CN" altLang="en-US" sz="1400"/>
+                    </a:p>
+                  </a:txBody>
+                  <a:tcPr/>
+                </a:tc>
+                <a:tc>
+                  <a:txBody>
+                    <a:bodyPr/>
+                    <a:p>
+                      <a:pPr algn="ctr">
+                        <a:buNone/>
+                      </a:pPr>
                       <a:r>
                         <a:rPr lang="zh-CN" altLang="en-US" sz="1400"/>
-                        <a:t>内容</a:t>
-                      </a:r>
-                      <a:endParaRPr lang="zh-CN" altLang="en-US" sz="1400"/>
-                    </a:p>
-                  </a:txBody>
-                  <a:tcPr/>
-                </a:tc>
-                <a:tc>
-                  <a:txBody>
-                    <a:bodyPr/>
-                    <a:p>
-                      <a:pPr algn="ctr">
-                        <a:buNone/>
-                      </a:pPr>
-                      <a:r>
-                        <a:rPr lang="zh-CN" altLang="en-US" sz="1400"/>
-                        <a:t>执行机构距离补偿</a:t>
-                      </a:r>
-                      <a:r>
-                        <a:rPr lang="zh-CN" altLang="en-US" sz="1400"/>
-                        <a:t>区间</a:t>
+                        <a:t>执行机构距离补偿区间</a:t>
                       </a:r>
                       <a:endParaRPr lang="zh-CN" altLang="en-US" sz="1400"/>
                     </a:p>
@@ -5988,13 +5927,7 @@
                         <a:rPr lang="zh-CN" altLang="en-US" sz="1400">
                           <a:sym typeface="+mn-ea"/>
                         </a:rPr>
-                        <a:t>下放</a:t>
-                      </a:r>
-                      <a:r>
-                        <a:rPr lang="zh-CN" altLang="en-US" sz="1400">
-                          <a:sym typeface="+mn-ea"/>
-                        </a:rPr>
-                        <a:t>等待时间</a:t>
+                        <a:t>下放等待时间</a:t>
                       </a:r>
                       <a:endParaRPr lang="zh-CN" altLang="en-US" sz="1400">
                         <a:sym typeface="+mn-ea"/>
@@ -6052,31 +5985,23 @@
                       </a:pPr>
                       <a:r>
                         <a:rPr lang="zh-CN" altLang="en-US" sz="1400"/>
-                        <a:t>传感器</a:t>
-                      </a:r>
+                        <a:t>传感器采集间隔</a:t>
+                      </a:r>
+                      <a:endParaRPr lang="zh-CN" altLang="en-US" sz="1400"/>
+                    </a:p>
+                  </a:txBody>
+                  <a:tcPr/>
+                </a:tc>
+                <a:tc>
+                  <a:txBody>
+                    <a:bodyPr/>
+                    <a:p>
+                      <a:pPr algn="ctr">
+                        <a:buNone/>
+                      </a:pPr>
                       <a:r>
                         <a:rPr lang="zh-CN" altLang="en-US" sz="1400"/>
-                        <a:t>采集间隔</a:t>
-                      </a:r>
-                      <a:endParaRPr lang="zh-CN" altLang="en-US" sz="1400"/>
-                    </a:p>
-                  </a:txBody>
-                  <a:tcPr/>
-                </a:tc>
-                <a:tc>
-                  <a:txBody>
-                    <a:bodyPr/>
-                    <a:p>
-                      <a:pPr algn="ctr">
-                        <a:buNone/>
-                      </a:pPr>
-                      <a:r>
-                        <a:rPr lang="zh-CN" altLang="en-US" sz="1400"/>
-                        <a:t>传感器解</a:t>
-                      </a:r>
-                      <a:r>
-                        <a:rPr lang="zh-CN" altLang="en-US" sz="1400"/>
-                        <a:t>算间隔</a:t>
+                        <a:t>传感器解算间隔</a:t>
                       </a:r>
                       <a:endParaRPr lang="zh-CN" altLang="en-US" sz="1400"/>
                     </a:p>
@@ -6527,23 +6452,7 @@
                             <a:srgbClr val="FF0000"/>
                           </a:solidFill>
                         </a:rPr>
-                        <a:t>暂</a:t>
-                      </a:r>
-                      <a:r>
-                        <a:rPr lang="zh-CN" altLang="en-US" sz="1400">
-                          <a:solidFill>
-                            <a:srgbClr val="FF0000"/>
-                          </a:solidFill>
-                        </a:rPr>
-                        <a:t>时保持</a:t>
-                      </a:r>
-                      <a:r>
-                        <a:rPr lang="zh-CN" altLang="en-US" sz="1400">
-                          <a:solidFill>
-                            <a:srgbClr val="FF0000"/>
-                          </a:solidFill>
-                        </a:rPr>
-                        <a:t>不变</a:t>
+                        <a:t>暂时保持不变</a:t>
                       </a:r>
                       <a:endParaRPr lang="zh-CN" altLang="en-US" sz="1400">
                         <a:solidFill>
@@ -6665,11 +6574,7 @@
                       </a:pPr>
                       <a:r>
                         <a:rPr lang="zh-CN" altLang="en-US" sz="1400"/>
-                        <a:t>参数设置</a:t>
-                      </a:r>
-                      <a:r>
-                        <a:rPr lang="zh-CN" altLang="en-US" sz="1400"/>
-                        <a:t>内容</a:t>
+                        <a:t>参数设置内容</a:t>
                       </a:r>
                       <a:endParaRPr lang="zh-CN" altLang="en-US" sz="1400"/>
                     </a:p>
@@ -6711,13 +6616,7 @@
                         <a:rPr lang="zh-CN" altLang="en-US" sz="1400">
                           <a:sym typeface="+mn-ea"/>
                         </a:rPr>
-                        <a:t>下放</a:t>
-                      </a:r>
-                      <a:r>
-                        <a:rPr lang="zh-CN" altLang="en-US" sz="1400">
-                          <a:sym typeface="+mn-ea"/>
-                        </a:rPr>
-                        <a:t>等待时间</a:t>
+                        <a:t>下放等待时间</a:t>
                       </a:r>
                       <a:endParaRPr lang="zh-CN" altLang="en-US" sz="1400">
                         <a:sym typeface="+mn-ea"/>
@@ -6775,31 +6674,23 @@
                       </a:pPr>
                       <a:r>
                         <a:rPr lang="zh-CN" altLang="en-US" sz="1400"/>
-                        <a:t>传感器</a:t>
-                      </a:r>
+                        <a:t>传感器采集间隔</a:t>
+                      </a:r>
+                      <a:endParaRPr lang="zh-CN" altLang="en-US" sz="1400"/>
+                    </a:p>
+                  </a:txBody>
+                  <a:tcPr/>
+                </a:tc>
+                <a:tc>
+                  <a:txBody>
+                    <a:bodyPr/>
+                    <a:p>
+                      <a:pPr algn="ctr">
+                        <a:buNone/>
+                      </a:pPr>
                       <a:r>
                         <a:rPr lang="zh-CN" altLang="en-US" sz="1400"/>
-                        <a:t>采集间隔</a:t>
-                      </a:r>
-                      <a:endParaRPr lang="zh-CN" altLang="en-US" sz="1400"/>
-                    </a:p>
-                  </a:txBody>
-                  <a:tcPr/>
-                </a:tc>
-                <a:tc>
-                  <a:txBody>
-                    <a:bodyPr/>
-                    <a:p>
-                      <a:pPr algn="ctr">
-                        <a:buNone/>
-                      </a:pPr>
-                      <a:r>
-                        <a:rPr lang="zh-CN" altLang="en-US" sz="1400"/>
-                        <a:t>传感器解</a:t>
-                      </a:r>
-                      <a:r>
-                        <a:rPr lang="zh-CN" altLang="en-US" sz="1400"/>
-                        <a:t>算间隔</a:t>
+                        <a:t>传感器解算间隔</a:t>
                       </a:r>
                       <a:endParaRPr lang="zh-CN" altLang="en-US" sz="1400"/>
                     </a:p>
@@ -7251,16 +7142,7 @@
                           </a:solidFill>
                           <a:sym typeface="+mn-ea"/>
                         </a:rPr>
-                        <a:t>暂</a:t>
-                      </a:r>
-                      <a:r>
-                        <a:rPr lang="zh-CN" altLang="en-US" sz="1400">
-                          <a:solidFill>
-                            <a:srgbClr val="FF0000"/>
-                          </a:solidFill>
-                          <a:sym typeface="+mn-ea"/>
-                        </a:rPr>
-                        <a:t>时保持不变</a:t>
+                        <a:t>暂时保持不变</a:t>
                       </a:r>
                       <a:endParaRPr lang="en-US" altLang="zh-CN" sz="1400">
                         <a:solidFill>
@@ -7308,11 +7190,7 @@
             </a:r>
             <a:r>
               <a:rPr lang="zh-CN" altLang="en-US" sz="4000"/>
-              <a:t>默认及随动参数内容（先默认单向</a:t>
-            </a:r>
-            <a:r>
-              <a:rPr lang="zh-CN" altLang="en-US" sz="4000"/>
-              <a:t>测量）</a:t>
+              <a:t>默认及随动参数内容（先默认单向测量）</a:t>
             </a:r>
             <a:endParaRPr lang="zh-CN" altLang="en-US" sz="4000"/>
           </a:p>
@@ -7353,11 +7231,7 @@
             </a:r>
             <a:r>
               <a:rPr lang="zh-CN" altLang="en-US"/>
-              <a:t>单向向测量模式默认。（再次升级固件须保持所涉参数</a:t>
-            </a:r>
-            <a:r>
-              <a:rPr lang="zh-CN" altLang="en-US"/>
-              <a:t>不变）。</a:t>
+              <a:t>单向向测量模式默认。（再次升级固件须保持所涉参数不变）。</a:t>
             </a:r>
             <a:endParaRPr lang="zh-CN" altLang="en-US"/>
           </a:p>
@@ -7368,11 +7242,7 @@
             </a:r>
             <a:r>
               <a:rPr lang="zh-CN" altLang="en-US"/>
-              <a:t>、在后续</a:t>
-            </a:r>
-            <a:r>
-              <a:rPr lang="zh-CN" altLang="en-US"/>
-              <a:t>根据调整正反测使能开关时，高级参数里面的执行机构参数中的距离补偿数值自动置和测量周期自动调整为</a:t>
+              <a:t>、在后续根据调整正反测使能开关时，高级参数里面的执行机构参数中的距离补偿数值自动置和测量周期自动调整为</a:t>
             </a:r>
             <a:r>
               <a:rPr lang="en-US" altLang="zh-CN"/>
@@ -7447,13 +7317,7 @@
               <a:rPr lang="zh-CN" altLang="en-US">
                 <a:sym typeface="+mn-ea"/>
               </a:rPr>
-              <a:t>信息。（定时定点测量</a:t>
-            </a:r>
-            <a:r>
-              <a:rPr lang="zh-CN" altLang="en-US">
-                <a:sym typeface="+mn-ea"/>
-              </a:rPr>
-              <a:t>同理）</a:t>
+              <a:t>信息。（定时定点测量同理）</a:t>
             </a:r>
             <a:endParaRPr lang="zh-CN" altLang="en-US">
               <a:sym typeface="+mn-ea"/>
@@ -7737,13 +7601,7 @@
               <a:rPr lang="en-US" altLang="zh-CN">
                 <a:sym typeface="+mn-ea"/>
               </a:rPr>
-              <a:t>L(mm)</a:t>
-            </a:r>
-            <a:r>
-              <a:rPr lang="en-US" altLang="zh-CN">
-                <a:sym typeface="+mn-ea"/>
-              </a:rPr>
-              <a:t>[L</a:t>
+              <a:t>L(mm)[L</a:t>
             </a:r>
             <a:r>
               <a:rPr lang="zh-CN" altLang="en-US">
@@ -7797,13 +7655,7 @@
               <a:rPr lang="en-US" altLang="zh-CN">
                 <a:sym typeface="+mn-ea"/>
               </a:rPr>
-              <a:t>L/d+1)*T7+T6</a:t>
-            </a:r>
-            <a:r>
-              <a:rPr lang="en-US" altLang="zh-CN">
-                <a:sym typeface="+mn-ea"/>
-              </a:rPr>
-              <a:t>+T0</a:t>
+              <a:t>L/d+1)*T7+T6+T0</a:t>
             </a:r>
             <a:endParaRPr lang="zh-CN" altLang="en-US"/>
           </a:p>
@@ -7920,22 +7772,34 @@
           <a:p>
             <a:pPr algn="ctr"/>
             <a:r>
-              <a:rPr lang="zh-CN" altLang="en-US" sz="4000"/>
+              <a:rPr lang="zh-CN" altLang="en-US" sz="4000">
+                <a:highlight>
+                  <a:srgbClr val="008000"/>
+                </a:highlight>
+              </a:rPr>
               <a:t>米易通</a:t>
             </a:r>
             <a:r>
-              <a:rPr lang="en-US" altLang="zh-CN" sz="4000"/>
+              <a:rPr lang="en-US" altLang="zh-CN" sz="4000">
+                <a:highlight>
+                  <a:srgbClr val="008000"/>
+                </a:highlight>
+              </a:rPr>
               <a:t>-</a:t>
             </a:r>
             <a:r>
-              <a:rPr lang="zh-CN" altLang="en-US" sz="4000"/>
-              <a:t>测量孔深</a:t>
-            </a:r>
-            <a:r>
-              <a:rPr lang="zh-CN" altLang="en-US" sz="4000"/>
-              <a:t>模块</a:t>
-            </a:r>
-            <a:endParaRPr lang="zh-CN" altLang="en-US" sz="4000"/>
+              <a:rPr lang="zh-CN" altLang="en-US" sz="4000">
+                <a:highlight>
+                  <a:srgbClr val="008000"/>
+                </a:highlight>
+              </a:rPr>
+              <a:t>测量孔深模块</a:t>
+            </a:r>
+            <a:endParaRPr lang="zh-CN" altLang="en-US" sz="4000">
+              <a:highlight>
+                <a:srgbClr val="008000"/>
+              </a:highlight>
+            </a:endParaRPr>
           </a:p>
         </p:txBody>
       </p:sp>
@@ -8125,11 +7989,7 @@
             </a:r>
             <a:r>
               <a:rPr lang="zh-CN" altLang="en-US"/>
-              <a:t>手动测孔</a:t>
-            </a:r>
-            <a:r>
-              <a:rPr lang="zh-CN" altLang="en-US"/>
-              <a:t>深</a:t>
+              <a:t>手动测孔深</a:t>
             </a:r>
             <a:endParaRPr lang="zh-CN" altLang="en-US"/>
           </a:p>
@@ -8282,11 +8142,7 @@
             </a:r>
             <a:r>
               <a:rPr lang="zh-CN" altLang="en-US"/>
-              <a:t>前面的圈选</a:t>
-            </a:r>
-            <a:r>
-              <a:rPr lang="zh-CN" altLang="en-US"/>
-              <a:t>标志</a:t>
+              <a:t>前面的圈选标志</a:t>
             </a:r>
             <a:endParaRPr lang="zh-CN" altLang="en-US"/>
           </a:p>
@@ -8645,22 +8501,34 @@
           <a:p>
             <a:pPr algn="ctr"/>
             <a:r>
-              <a:rPr lang="zh-CN" altLang="en-US" sz="4000"/>
+              <a:rPr lang="zh-CN" altLang="en-US" sz="4000">
+                <a:highlight>
+                  <a:srgbClr val="008000"/>
+                </a:highlight>
+              </a:rPr>
               <a:t>米易通</a:t>
             </a:r>
             <a:r>
-              <a:rPr lang="en-US" altLang="zh-CN" sz="4000"/>
+              <a:rPr lang="en-US" altLang="zh-CN" sz="4000">
+                <a:highlight>
+                  <a:srgbClr val="008000"/>
+                </a:highlight>
+              </a:rPr>
               <a:t>-</a:t>
             </a:r>
             <a:r>
-              <a:rPr lang="zh-CN" altLang="en-US" sz="4000"/>
-              <a:t>高级配置</a:t>
-            </a:r>
-            <a:r>
-              <a:rPr lang="zh-CN" altLang="en-US" sz="4000"/>
-              <a:t>模式</a:t>
-            </a:r>
-            <a:endParaRPr lang="zh-CN" altLang="en-US" sz="4000"/>
+              <a:rPr lang="zh-CN" altLang="en-US" sz="4000">
+                <a:highlight>
+                  <a:srgbClr val="008000"/>
+                </a:highlight>
+              </a:rPr>
+              <a:t>高级配置模式</a:t>
+            </a:r>
+            <a:endParaRPr lang="zh-CN" altLang="en-US" sz="4000">
+              <a:highlight>
+                <a:srgbClr val="008000"/>
+              </a:highlight>
+            </a:endParaRPr>
           </a:p>
         </p:txBody>
       </p:sp>
@@ -10173,11 +10041,7 @@
           <a:p>
             <a:r>
               <a:rPr lang="zh-CN" altLang="en-US"/>
-              <a:t>将绝对修正值改为步进电机</a:t>
-            </a:r>
-            <a:r>
-              <a:rPr lang="zh-CN" altLang="en-US"/>
-              <a:t>脉冲</a:t>
+              <a:t>将绝对修正值改为步进电机脉冲</a:t>
             </a:r>
             <a:endParaRPr lang="zh-CN" altLang="en-US"/>
           </a:p>
@@ -10206,11 +10070,7 @@
           <a:p>
             <a:r>
               <a:rPr lang="zh-CN" altLang="en-US"/>
-              <a:t>增加步进电机脉冲</a:t>
-            </a:r>
-            <a:r>
-              <a:rPr lang="zh-CN" altLang="en-US"/>
-              <a:t>修正系数</a:t>
+              <a:t>增加步进电机脉冲修正系数</a:t>
             </a:r>
             <a:endParaRPr lang="zh-CN" altLang="en-US"/>
           </a:p>
@@ -10250,25 +10110,7 @@
               <a:rPr lang="zh-CN" altLang="en-US">
                 <a:sym typeface="+mn-ea"/>
               </a:rPr>
-              <a:t>°，对步进电机</a:t>
-            </a:r>
-            <a:r>
-              <a:rPr lang="zh-CN" altLang="en-US">
-                <a:sym typeface="+mn-ea"/>
-              </a:rPr>
-              <a:t>修正后</a:t>
-            </a:r>
-            <a:r>
-              <a:rPr lang="zh-CN" altLang="en-US">
-                <a:sym typeface="+mn-ea"/>
-              </a:rPr>
-              <a:t>步进电机</a:t>
-            </a:r>
-            <a:r>
-              <a:rPr lang="zh-CN" altLang="en-US">
-                <a:sym typeface="+mn-ea"/>
-              </a:rPr>
-              <a:t>的运动</a:t>
+              <a:t>°，对步进电机修正后步进电机的运动</a:t>
             </a:r>
             <a:r>
               <a:rPr lang="zh-CN" altLang="en-US"/>
@@ -10298,11 +10140,7 @@
             </a:r>
             <a:r>
               <a:rPr lang="zh-CN" altLang="en-US"/>
-              <a:t>：代表步进电机旋转系统误差常</a:t>
-            </a:r>
-            <a:r>
-              <a:rPr lang="zh-CN" altLang="en-US"/>
-              <a:t>数</a:t>
+              <a:t>：代表步进电机旋转系统误差常数</a:t>
             </a:r>
             <a:endParaRPr lang="zh-CN" altLang="en-US"/>
           </a:p>
